--- a/ppt/zhengzhi/1.pptx
+++ b/ppt/zhengzhi/1.pptx
@@ -1629,27 +1629,6 @@
                 </a:lnSpc>
               </a:pPr>
               <a:r>
-                <a:rPr lang="zh-CN" altLang="en-US" sz="2400" b="1" kern="0" spc="-35" dirty="0">
-                  <a:solidFill>
-                    <a:srgbClr val="272525"/>
-                  </a:solidFill>
-                  <a:latin typeface="Microsoft JhengHei" panose="020B0604030504040204" pitchFamily="34" charset="-120"/>
-                  <a:ea typeface="Microsoft JhengHei" panose="020B0604030504040204" pitchFamily="34" charset="-120"/>
-                  <a:cs typeface="Source Sans Pro" pitchFamily="34" charset="-120"/>
-                </a:rPr>
-                <a:t>何政轩 陈嘉诚 </a:t>
-              </a:r>
-              <a:r>
-                <a:rPr lang="zh-CN" altLang="en-US" sz="2400" b="1" kern="0" spc="-35" dirty="0">
-                  <a:solidFill>
-                    <a:srgbClr val="272525"/>
-                  </a:solidFill>
-                  <a:latin typeface="Microsoft JhengHei" panose="020B0604030504040204" pitchFamily="34" charset="-120"/>
-                  <a:ea typeface="Microsoft JhengHei" panose="020B0604030504040204" pitchFamily="34" charset="-120"/>
-                </a:rPr>
-                <a:t>罗鸿鑫                               </a:t>
-              </a:r>
-              <a:r>
                 <a:rPr lang="en-US" altLang="zh-CN" sz="2400" b="1" kern="0" spc="-35" dirty="0">
                   <a:solidFill>
                     <a:srgbClr val="272525"/>
@@ -1657,7 +1636,7 @@
                   <a:latin typeface="Microsoft JhengHei" panose="020B0604030504040204" pitchFamily="34" charset="-120"/>
                   <a:ea typeface="Microsoft JhengHei" panose="020B0604030504040204" pitchFamily="34" charset="-120"/>
                 </a:rPr>
-                <a:t>2023/10/26</a:t>
+                <a:t>					2023/10/26</a:t>
               </a:r>
               <a:endParaRPr lang="en-US" sz="2400" dirty="0">
                 <a:latin typeface="Microsoft JhengHei" panose="020B0604030504040204" pitchFamily="34" charset="-120"/>
@@ -1962,35 +1941,14 @@
                 </a:lnSpc>
               </a:pPr>
               <a:r>
-                <a:rPr lang="zh-CN" altLang="en-US" sz="2400" b="1" kern="0" spc="-35" dirty="0">
-                  <a:solidFill>
-                    <a:srgbClr val="272525"/>
-                  </a:solidFill>
-                  <a:latin typeface="Microsoft JhengHei" panose="020B0604030504040204" pitchFamily="34" charset="-120"/>
-                  <a:ea typeface="Microsoft JhengHei" panose="020B0604030504040204" pitchFamily="34" charset="-120"/>
-                  <a:cs typeface="Source Sans Pro" pitchFamily="34" charset="-120"/>
-                </a:rPr>
-                <a:t>何政轩 陈嘉诚 </a:t>
-              </a:r>
-              <a:r>
-                <a:rPr lang="zh-CN" altLang="en-US" sz="2400" b="1" kern="0" spc="-35" dirty="0">
+                <a:rPr lang="en-US" altLang="zh-CN" sz="2400" b="1" kern="0" spc="-35">
                   <a:solidFill>
                     <a:srgbClr val="272525"/>
                   </a:solidFill>
                   <a:latin typeface="Microsoft JhengHei" panose="020B0604030504040204" pitchFamily="34" charset="-120"/>
                   <a:ea typeface="Microsoft JhengHei" panose="020B0604030504040204" pitchFamily="34" charset="-120"/>
                 </a:rPr>
-                <a:t>罗鸿鑫                               </a:t>
-              </a:r>
-              <a:r>
-                <a:rPr lang="en-US" altLang="zh-CN" sz="2400" b="1" kern="0" spc="-35" dirty="0">
-                  <a:solidFill>
-                    <a:srgbClr val="272525"/>
-                  </a:solidFill>
-                  <a:latin typeface="Microsoft JhengHei" panose="020B0604030504040204" pitchFamily="34" charset="-120"/>
-                  <a:ea typeface="Microsoft JhengHei" panose="020B0604030504040204" pitchFamily="34" charset="-120"/>
-                </a:rPr>
-                <a:t>2023/10/26</a:t>
+                <a:t>						2023/10/26</a:t>
               </a:r>
               <a:endParaRPr lang="en-US" sz="2400" dirty="0">
                 <a:latin typeface="Microsoft JhengHei" panose="020B0604030504040204" pitchFamily="34" charset="-120"/>

--- a/ppt/zhengzhi/1.pptx
+++ b/ppt/zhengzhi/1.pptx
@@ -1629,6 +1629,27 @@
                 </a:lnSpc>
               </a:pPr>
               <a:r>
+                <a:rPr lang="zh-CN" altLang="en-US" sz="2400" b="1" kern="0" spc="-35" dirty="0">
+                  <a:solidFill>
+                    <a:srgbClr val="272525"/>
+                  </a:solidFill>
+                  <a:latin typeface="Microsoft JhengHei" panose="020B0604030504040204" pitchFamily="34" charset="-120"/>
+                  <a:ea typeface="Microsoft JhengHei" panose="020B0604030504040204" pitchFamily="34" charset="-120"/>
+                  <a:cs typeface="Source Sans Pro" pitchFamily="34" charset="-120"/>
+                </a:rPr>
+                <a:t>何政轩 陈嘉诚 </a:t>
+              </a:r>
+              <a:r>
+                <a:rPr lang="zh-CN" altLang="en-US" sz="2400" b="1" kern="0" spc="-35" dirty="0">
+                  <a:solidFill>
+                    <a:srgbClr val="272525"/>
+                  </a:solidFill>
+                  <a:latin typeface="Microsoft JhengHei" panose="020B0604030504040204" pitchFamily="34" charset="-120"/>
+                  <a:ea typeface="Microsoft JhengHei" panose="020B0604030504040204" pitchFamily="34" charset="-120"/>
+                </a:rPr>
+                <a:t>罗鸿鑫                               </a:t>
+              </a:r>
+              <a:r>
                 <a:rPr lang="en-US" altLang="zh-CN" sz="2400" b="1" kern="0" spc="-35" dirty="0">
                   <a:solidFill>
                     <a:srgbClr val="272525"/>
@@ -1636,7 +1657,7 @@
                   <a:latin typeface="Microsoft JhengHei" panose="020B0604030504040204" pitchFamily="34" charset="-120"/>
                   <a:ea typeface="Microsoft JhengHei" panose="020B0604030504040204" pitchFamily="34" charset="-120"/>
                 </a:rPr>
-                <a:t>					2023/10/26</a:t>
+                <a:t>2023/10/26</a:t>
               </a:r>
               <a:endParaRPr lang="en-US" sz="2400" dirty="0">
                 <a:latin typeface="Microsoft JhengHei" panose="020B0604030504040204" pitchFamily="34" charset="-120"/>
@@ -1941,14 +1962,35 @@
                 </a:lnSpc>
               </a:pPr>
               <a:r>
-                <a:rPr lang="en-US" altLang="zh-CN" sz="2400" b="1" kern="0" spc="-35">
+                <a:rPr lang="zh-CN" altLang="en-US" sz="2400" b="1" kern="0" spc="-35" dirty="0">
+                  <a:solidFill>
+                    <a:srgbClr val="272525"/>
+                  </a:solidFill>
+                  <a:latin typeface="Microsoft JhengHei" panose="020B0604030504040204" pitchFamily="34" charset="-120"/>
+                  <a:ea typeface="Microsoft JhengHei" panose="020B0604030504040204" pitchFamily="34" charset="-120"/>
+                  <a:cs typeface="Source Sans Pro" pitchFamily="34" charset="-120"/>
+                </a:rPr>
+                <a:t>何政轩 陈嘉诚 </a:t>
+              </a:r>
+              <a:r>
+                <a:rPr lang="zh-CN" altLang="en-US" sz="2400" b="1" kern="0" spc="-35" dirty="0">
                   <a:solidFill>
                     <a:srgbClr val="272525"/>
                   </a:solidFill>
                   <a:latin typeface="Microsoft JhengHei" panose="020B0604030504040204" pitchFamily="34" charset="-120"/>
                   <a:ea typeface="Microsoft JhengHei" panose="020B0604030504040204" pitchFamily="34" charset="-120"/>
                 </a:rPr>
-                <a:t>						2023/10/26</a:t>
+                <a:t>罗鸿鑫                               </a:t>
+              </a:r>
+              <a:r>
+                <a:rPr lang="en-US" altLang="zh-CN" sz="2400" b="1" kern="0" spc="-35" dirty="0">
+                  <a:solidFill>
+                    <a:srgbClr val="272525"/>
+                  </a:solidFill>
+                  <a:latin typeface="Microsoft JhengHei" panose="020B0604030504040204" pitchFamily="34" charset="-120"/>
+                  <a:ea typeface="Microsoft JhengHei" panose="020B0604030504040204" pitchFamily="34" charset="-120"/>
+                </a:rPr>
+                <a:t>2023/10/26</a:t>
               </a:r>
               <a:endParaRPr lang="en-US" sz="2400" dirty="0">
                 <a:latin typeface="Microsoft JhengHei" panose="020B0604030504040204" pitchFamily="34" charset="-120"/>
